--- a/Later/Java_Later/JSON/1/JSON_Intro.pptx
+++ b/Later/Java_Later/JSON/1/JSON_Intro.pptx
@@ -4139,7 +4139,7 @@
         </p:nvSpPr>
         <p:spPr bwMode="auto">
           <a:xfrm>
-            <a:off x="765175" y="465137"/>
+            <a:off x="-755650" y="465137"/>
             <a:ext cx="304800" cy="304801"/>
           </a:xfrm>
           <a:prstGeom prst="rect">
@@ -4191,8 +4191,8 @@
         </p:blipFill>
         <p:spPr bwMode="auto">
           <a:xfrm>
-            <a:off x="2743200" y="2000250"/>
-            <a:ext cx="2674937" cy="2674938"/>
+            <a:off x="1222376" y="2590800"/>
+            <a:ext cx="2286000" cy="2084388"/>
           </a:xfrm>
           <a:prstGeom prst="rect">
             <a:avLst/>
@@ -4217,8 +4217,8 @@
         </p:nvSpPr>
         <p:spPr>
           <a:xfrm>
-            <a:off x="2268537" y="914400"/>
-            <a:ext cx="4073526" cy="754062"/>
+            <a:off x="307975" y="465138"/>
+            <a:ext cx="6172200" cy="1728786"/>
           </a:xfrm>
           <a:prstGeom prst="wedgeRoundRectCallout">
             <a:avLst>
@@ -4258,50 +4258,11 @@
               <a:buFont typeface="Wingdings" pitchFamily="2" charset="2"/>
               <a:buChar char="ü"/>
             </a:pPr>
-            <a:r>
-              <a:rPr lang="en-US" sz="1200" dirty="0" smtClean="0">
-                <a:solidFill>
-                  <a:srgbClr val="C00000"/>
-                </a:solidFill>
-              </a:rPr>
-              <a:t>JSON</a:t>
-            </a:r>
-            <a:r>
-              <a:rPr lang="en-US" sz="1200" dirty="0"/>
-              <a:t>: </a:t>
-            </a:r>
-            <a:r>
-              <a:rPr lang="en-US" sz="1200" b="1" dirty="0"/>
-              <a:t>J</a:t>
-            </a:r>
-            <a:r>
-              <a:rPr lang="en-US" sz="1200" dirty="0"/>
-              <a:t>ava</a:t>
-            </a:r>
-            <a:r>
-              <a:rPr lang="en-US" sz="1200" b="1" dirty="0"/>
-              <a:t>S</a:t>
-            </a:r>
-            <a:r>
-              <a:rPr lang="en-US" sz="1200" dirty="0"/>
-              <a:t>cript </a:t>
-            </a:r>
-            <a:r>
-              <a:rPr lang="en-US" sz="1200" b="1" dirty="0"/>
-              <a:t>O</a:t>
-            </a:r>
-            <a:r>
-              <a:rPr lang="en-US" sz="1200" dirty="0"/>
-              <a:t>bject </a:t>
-            </a:r>
-            <a:r>
-              <a:rPr lang="en-US" sz="1200" b="1" dirty="0"/>
-              <a:t>N</a:t>
-            </a:r>
-            <a:r>
-              <a:rPr lang="en-US" sz="1200" dirty="0"/>
-              <a:t>otation.</a:t>
-            </a:r>
+            <a:endParaRPr lang="en-US" sz="1200" dirty="0" smtClean="0">
+              <a:solidFill>
+                <a:srgbClr val="C00000"/>
+              </a:solidFill>
+            </a:endParaRPr>
           </a:p>
           <a:p>
             <a:pPr marL="171450" indent="-171450">
@@ -4309,7 +4270,7 @@
               <a:buChar char="ü"/>
             </a:pPr>
             <a:r>
-              <a:rPr lang="en-US" sz="1200" dirty="0">
+              <a:rPr lang="en-US" sz="1200" dirty="0" smtClean="0">
                 <a:solidFill>
                   <a:srgbClr val="C00000"/>
                 </a:solidFill>
@@ -4318,7 +4279,39 @@
             </a:r>
             <a:r>
               <a:rPr lang="en-US" sz="1200" dirty="0"/>
-              <a:t> is a syntax for storing and exchanging data.</a:t>
+              <a:t>: </a:t>
+            </a:r>
+            <a:r>
+              <a:rPr lang="en-US" sz="1200" b="1" dirty="0"/>
+              <a:t>J</a:t>
+            </a:r>
+            <a:r>
+              <a:rPr lang="en-US" sz="1200" dirty="0"/>
+              <a:t>ava</a:t>
+            </a:r>
+            <a:r>
+              <a:rPr lang="en-US" sz="1200" b="1" dirty="0"/>
+              <a:t>S</a:t>
+            </a:r>
+            <a:r>
+              <a:rPr lang="en-US" sz="1200" dirty="0"/>
+              <a:t>cript </a:t>
+            </a:r>
+            <a:r>
+              <a:rPr lang="en-US" sz="1200" b="1" dirty="0"/>
+              <a:t>O</a:t>
+            </a:r>
+            <a:r>
+              <a:rPr lang="en-US" sz="1200" dirty="0"/>
+              <a:t>bject </a:t>
+            </a:r>
+            <a:r>
+              <a:rPr lang="en-US" sz="1200" b="1" dirty="0"/>
+              <a:t>N</a:t>
+            </a:r>
+            <a:r>
+              <a:rPr lang="en-US" sz="1200" dirty="0"/>
+              <a:t>otation.</a:t>
             </a:r>
           </a:p>
           <a:p>
@@ -4336,8 +4329,121 @@
             </a:r>
             <a:r>
               <a:rPr lang="en-US" sz="1200" dirty="0"/>
-              <a:t> is text, written with JavaScript object notation.</a:t>
-            </a:r>
+              <a:t> is a syntax for storing and exchanging data.</a:t>
+            </a:r>
+          </a:p>
+          <a:p>
+            <a:pPr marL="171450" indent="-171450">
+              <a:buFont typeface="Wingdings" pitchFamily="2" charset="2"/>
+              <a:buChar char="ü"/>
+            </a:pPr>
+            <a:r>
+              <a:rPr lang="en-US" sz="1200" dirty="0">
+                <a:solidFill>
+                  <a:srgbClr val="C00000"/>
+                </a:solidFill>
+              </a:rPr>
+              <a:t>JSON</a:t>
+            </a:r>
+            <a:r>
+              <a:rPr lang="en-US" sz="1200" dirty="0"/>
+              <a:t> is text, written with JavaScript object notation</a:t>
+            </a:r>
+            <a:r>
+              <a:rPr lang="en-US" sz="1200" dirty="0" smtClean="0"/>
+              <a:t>.</a:t>
+            </a:r>
+          </a:p>
+          <a:p>
+            <a:pPr marL="171450" indent="-171450">
+              <a:buFont typeface="Wingdings" pitchFamily="2" charset="2"/>
+              <a:buChar char="ü"/>
+            </a:pPr>
+            <a:r>
+              <a:rPr lang="en-US" sz="1200" dirty="0">
+                <a:solidFill>
+                  <a:srgbClr val="C00000"/>
+                </a:solidFill>
+              </a:rPr>
+              <a:t>JSON</a:t>
+            </a:r>
+            <a:r>
+              <a:rPr lang="en-US" sz="1200" dirty="0"/>
+              <a:t> is a lightweight data-interchange format</a:t>
+            </a:r>
+          </a:p>
+          <a:p>
+            <a:pPr marL="171450" indent="-171450">
+              <a:buFont typeface="Wingdings" pitchFamily="2" charset="2"/>
+              <a:buChar char="ü"/>
+            </a:pPr>
+            <a:r>
+              <a:rPr lang="en-US" sz="1200" dirty="0">
+                <a:solidFill>
+                  <a:srgbClr val="C00000"/>
+                </a:solidFill>
+              </a:rPr>
+              <a:t>JSON</a:t>
+            </a:r>
+            <a:r>
+              <a:rPr lang="en-US" sz="1200" dirty="0"/>
+              <a:t> is "self-describing" and easy to understand</a:t>
+            </a:r>
+          </a:p>
+          <a:p>
+            <a:pPr marL="171450" indent="-171450">
+              <a:buFont typeface="Wingdings" pitchFamily="2" charset="2"/>
+              <a:buChar char="ü"/>
+            </a:pPr>
+            <a:r>
+              <a:rPr lang="en-US" sz="1200" dirty="0">
+                <a:solidFill>
+                  <a:srgbClr val="C00000"/>
+                </a:solidFill>
+              </a:rPr>
+              <a:t>JSON</a:t>
+            </a:r>
+            <a:r>
+              <a:rPr lang="en-US" sz="1200" dirty="0"/>
+              <a:t> is language independent </a:t>
+            </a:r>
+            <a:r>
+              <a:rPr lang="en-US" sz="1200" b="1" dirty="0" smtClean="0"/>
+              <a:t>*</a:t>
+            </a:r>
+          </a:p>
+          <a:p>
+            <a:pPr marL="171450" indent="-171450">
+              <a:buFont typeface="Wingdings" pitchFamily="2" charset="2"/>
+              <a:buChar char="ü"/>
+            </a:pPr>
+            <a:r>
+              <a:rPr lang="en-US" sz="1200" dirty="0">
+                <a:solidFill>
+                  <a:srgbClr val="C00000"/>
+                </a:solidFill>
+              </a:rPr>
+              <a:t>JSON</a:t>
+            </a:r>
+            <a:r>
+              <a:rPr lang="en-US" sz="1200" dirty="0"/>
+              <a:t> uses JavaScript syntax, but the JSON format is text only</a:t>
+            </a:r>
+            <a:r>
+              <a:rPr lang="en-US" sz="1200" dirty="0" smtClean="0"/>
+              <a:t>.</a:t>
+            </a:r>
+            <a:r>
+              <a:rPr lang="en-US" sz="1200" dirty="0"/>
+              <a:t> Text can be read and used as a data format by any programming language.</a:t>
+            </a:r>
+          </a:p>
+          <a:p>
+            <a:pPr marL="171450" indent="-171450">
+              <a:buFont typeface="Wingdings" pitchFamily="2" charset="2"/>
+              <a:buChar char="ü"/>
+            </a:pPr>
+            <a:endParaRPr lang="en-US" sz="1200" dirty="0"/>
           </a:p>
           <a:p>
             <a:pPr marL="171450" indent="-171450" algn="ctr">
@@ -4345,6 +4451,90 @@
               <a:buChar char="ü"/>
             </a:pPr>
             <a:endParaRPr lang="en-US" sz="1200" dirty="0"/>
+          </a:p>
+        </p:txBody>
+      </p:sp>
+      <p:sp>
+        <p:nvSpPr>
+          <p:cNvPr id="8" name="Rounded Rectangle 7"/>
+          <p:cNvSpPr/>
+          <p:nvPr/>
+        </p:nvSpPr>
+        <p:spPr>
+          <a:xfrm>
+            <a:off x="4114800" y="4114800"/>
+            <a:ext cx="4800600" cy="560388"/>
+          </a:xfrm>
+          <a:prstGeom prst="roundRect">
+            <a:avLst/>
+          </a:prstGeom>
+          <a:ln w="3175"/>
+        </p:spPr>
+        <p:style>
+          <a:lnRef idx="2">
+            <a:schemeClr val="accent4"/>
+          </a:lnRef>
+          <a:fillRef idx="1">
+            <a:schemeClr val="lt1"/>
+          </a:fillRef>
+          <a:effectRef idx="0">
+            <a:schemeClr val="accent4"/>
+          </a:effectRef>
+          <a:fontRef idx="minor">
+            <a:schemeClr val="dk1"/>
+          </a:fontRef>
+        </p:style>
+        <p:txBody>
+          <a:bodyPr rtlCol="0" anchor="ctr"/>
+          <a:lstStyle/>
+          <a:p>
+            <a:r>
+              <a:rPr lang="en-US" sz="1200" dirty="0"/>
+              <a:t>Since the JSON format is text only, it can easily be sent to and from a server, and used as a data format by any programming language.</a:t>
+            </a:r>
+            <a:endParaRPr lang="en-US" sz="1200" dirty="0"/>
+          </a:p>
+        </p:txBody>
+      </p:sp>
+      <p:sp>
+        <p:nvSpPr>
+          <p:cNvPr id="10" name="Rectangle 9"/>
+          <p:cNvSpPr/>
+          <p:nvPr/>
+        </p:nvSpPr>
+        <p:spPr>
+          <a:xfrm>
+            <a:off x="4191000" y="3733800"/>
+            <a:ext cx="1148391" cy="276999"/>
+          </a:xfrm>
+          <a:prstGeom prst="rect">
+            <a:avLst/>
+          </a:prstGeom>
+        </p:spPr>
+        <p:style>
+          <a:lnRef idx="1">
+            <a:schemeClr val="accent2"/>
+          </a:lnRef>
+          <a:fillRef idx="3">
+            <a:schemeClr val="accent2"/>
+          </a:fillRef>
+          <a:effectRef idx="2">
+            <a:schemeClr val="accent2"/>
+          </a:effectRef>
+          <a:fontRef idx="minor">
+            <a:schemeClr val="lt1"/>
+          </a:fontRef>
+        </p:style>
+        <p:txBody>
+          <a:bodyPr wrap="none">
+            <a:spAutoFit/>
+          </a:bodyPr>
+          <a:lstStyle/>
+          <a:p>
+            <a:r>
+              <a:rPr lang="en-US" sz="1200" dirty="0"/>
+              <a:t>Why use JSON?</a:t>
+            </a:r>
           </a:p>
         </p:txBody>
       </p:sp>
